--- a/aws-config-lambda-shared-eni/docs/Effective resource management with AWS Config.pptx
+++ b/aws-config-lambda-shared-eni/docs/Effective resource management with AWS Config.pptx
@@ -1832,7 +1832,7 @@
           </a:bodyPr>
           <a:lstStyle/>
           <a:p>
-            <a:pPr lvl="0" algn="l" rtl="0">
+            <a:pPr marL="457200" lvl="0" indent="-317500" algn="l" rtl="0">
               <a:spcBef>
                 <a:spcPts val="600"/>
               </a:spcBef>
@@ -1840,22 +1840,50 @@
                 <a:spcPts val="0"/>
               </a:spcAft>
               <a:buSzPts val="2400"/>
-              <a:buFont typeface="Arial" panose="020B0604020202020204" pitchFamily="34" charset="0"/>
-              <a:buChar char="•"/>
             </a:pPr>
             <a:r>
               <a:rPr lang="en-US" dirty="0"/>
-              <a:t>AWS Config reports on WHAT has changed, whereas AWS CloudTrail reports on WHO made the change, WHEN, and from WHERE</a:t>
+              <a:t>While AWS Config works closely with AWS CloudTrail there are some key difference that are important to note</a:t>
             </a:r>
           </a:p>
           <a:p>
-            <a:pPr>
-              <a:buFont typeface="Arial" panose="020B0604020202020204" pitchFamily="34" charset="0"/>
-              <a:buChar char="•"/>
+            <a:pPr marL="914400" marR="0" lvl="1" indent="-317500" algn="l" defTabSz="914400" rtl="0" eaLnBrk="1" fontAlgn="auto" latinLnBrk="0" hangingPunct="1">
+              <a:lnSpc>
+                <a:spcPct val="100000"/>
+              </a:lnSpc>
+              <a:spcBef>
+                <a:spcPts val="600"/>
+              </a:spcBef>
+              <a:spcAft>
+                <a:spcPts val="0"/>
+              </a:spcAft>
+              <a:buClr>
+                <a:srgbClr val="000000"/>
+              </a:buClr>
+              <a:buSzPts val="2400"/>
+              <a:buFont typeface="Arial"/>
+              <a:buChar char="○"/>
+              <a:tabLst/>
+              <a:defRPr/>
             </a:pPr>
             <a:r>
               <a:rPr lang="en-US" dirty="0"/>
-              <a:t>AWS Config focuses on configuration of AWS resources and HOW they change, whereas AWS CloudTrail focuses on the events that DRIVE those changes</a:t>
+              <a:t>AWS Config focuses on configuration of AWS resources, whereas AWS CloudTrail focuses on the events that DRIVE those changes</a:t>
+            </a:r>
+          </a:p>
+          <a:p>
+            <a:pPr marL="914400" lvl="1" indent="-317500" algn="l" rtl="0">
+              <a:spcBef>
+                <a:spcPts val="600"/>
+              </a:spcBef>
+              <a:spcAft>
+                <a:spcPts val="0"/>
+              </a:spcAft>
+              <a:buSzPts val="2400"/>
+            </a:pPr>
+            <a:r>
+              <a:rPr lang="en-US" dirty="0"/>
+              <a:t>AWS Config reports on WHAT has changed and HOW it changed, whereas AWS CloudTrail reports on WHO made the change, WHEN, and from WHERE</a:t>
             </a:r>
           </a:p>
           <a:p>
@@ -5301,8 +5329,8 @@
         </p:nvSpPr>
         <p:spPr>
           <a:xfrm>
-            <a:off x="1192206" y="1606582"/>
-            <a:ext cx="7052507" cy="1303012"/>
+            <a:off x="3050695" y="1689708"/>
+            <a:ext cx="4751394" cy="1655747"/>
           </a:xfrm>
           <a:prstGeom prst="rect">
             <a:avLst/>
@@ -5358,8 +5386,8 @@
         </p:blipFill>
         <p:spPr bwMode="auto">
           <a:xfrm>
-            <a:off x="4069442" y="3262329"/>
-            <a:ext cx="764722" cy="764722"/>
+            <a:off x="1983179" y="2303850"/>
+            <a:ext cx="966577" cy="966577"/>
           </a:xfrm>
           <a:prstGeom prst="rect">
             <a:avLst/>
@@ -5403,7 +5431,7 @@
         </p:nvSpPr>
         <p:spPr>
           <a:xfrm>
-            <a:off x="3857730" y="4445597"/>
+            <a:off x="3869605" y="4273405"/>
             <a:ext cx="1188146" cy="261610"/>
           </a:xfrm>
           <a:prstGeom prst="rect">
@@ -6719,7 +6747,7 @@
         <p:spPr>
           <a:xfrm>
             <a:off x="786150" y="1348920"/>
-            <a:ext cx="3785850" cy="3708708"/>
+            <a:ext cx="3324032" cy="3708708"/>
           </a:xfrm>
           <a:prstGeom prst="rect">
             <a:avLst/>
@@ -6786,7 +6814,7 @@
             </a:r>
             <a:r>
               <a:rPr lang="en-US" sz="2000" dirty="0"/>
-              <a:t>they change</a:t>
+              <a:t>it changed</a:t>
             </a:r>
           </a:p>
           <a:p>
@@ -7049,12 +7077,9 @@
           <p:nvPr/>
         </p:nvPicPr>
         <p:blipFill>
-          <a:blip r:embed="rId3">
-            <a:alphaModFix/>
-          </a:blip>
-          <a:stretch>
-            <a:fillRect/>
-          </a:stretch>
+          <a:blip r:embed="rId3"/>
+          <a:srcRect l="10714" r="10714"/>
+          <a:stretch/>
         </p:blipFill>
         <p:spPr>
           <a:xfrm>
@@ -8491,7 +8516,7 @@
         </p:nvGrpSpPr>
         <p:grpSpPr>
           <a:xfrm>
-            <a:off x="6859153" y="2959178"/>
+            <a:off x="7249284" y="3549142"/>
             <a:ext cx="983886" cy="1010943"/>
             <a:chOff x="6859153" y="2959178"/>
             <a:chExt cx="983886" cy="1010943"/>
@@ -8745,7 +8770,7 @@
         </p:blipFill>
         <p:spPr>
           <a:xfrm>
-            <a:off x="7778975" y="2663456"/>
+            <a:off x="8169106" y="3253420"/>
             <a:ext cx="678083" cy="678083"/>
           </a:xfrm>
           <a:prstGeom prst="rect">
@@ -9908,7 +9933,283 @@
         <p:spPr>
           <a:xfrm>
             <a:off x="5655033" y="2944923"/>
-            <a:ext cx="1171671" cy="448564"/>
+            <a:ext cx="560914" cy="507363"/>
+          </a:xfrm>
+          <a:prstGeom prst="straightConnector1">
+            <a:avLst/>
+          </a:prstGeom>
+          <a:ln w="19050">
+            <a:solidFill>
+              <a:schemeClr val="tx1"/>
+            </a:solidFill>
+            <a:tailEnd type="triangle"/>
+          </a:ln>
+        </p:spPr>
+        <p:style>
+          <a:lnRef idx="1">
+            <a:schemeClr val="accent1"/>
+          </a:lnRef>
+          <a:fillRef idx="0">
+            <a:schemeClr val="accent1"/>
+          </a:fillRef>
+          <a:effectRef idx="0">
+            <a:schemeClr val="accent1"/>
+          </a:effectRef>
+          <a:fontRef idx="minor">
+            <a:schemeClr val="tx1"/>
+          </a:fontRef>
+        </p:style>
+      </p:cxnSp>
+      <p:pic>
+        <p:nvPicPr>
+          <p:cNvPr id="2" name="Graphic 19" descr="Amazon EventBridge service icon.">
+            <a:extLst>
+              <a:ext uri="{FF2B5EF4-FFF2-40B4-BE49-F238E27FC236}">
+                <a16:creationId xmlns:a16="http://schemas.microsoft.com/office/drawing/2014/main" id="{04C88249-9778-20B2-D68E-D1B926D171FC}"/>
+              </a:ext>
+            </a:extLst>
+          </p:cNvPr>
+          <p:cNvPicPr>
+            <a:picLocks noChangeAspect="1" noChangeArrowheads="1"/>
+          </p:cNvPicPr>
+          <p:nvPr/>
+        </p:nvPicPr>
+        <p:blipFill>
+          <a:blip r:embed="rId25">
+            <a:extLst>
+              <a:ext uri="{96DAC541-7B7A-43D3-8B79-37D633B846F1}">
+                <asvg:svgBlip xmlns:asvg="http://schemas.microsoft.com/office/drawing/2016/SVG/main" r:embed="rId26"/>
+              </a:ext>
+            </a:extLst>
+          </a:blip>
+          <a:srcRect/>
+          <a:stretch/>
+        </p:blipFill>
+        <p:spPr bwMode="auto">
+          <a:xfrm>
+            <a:off x="5859886" y="3549142"/>
+            <a:ext cx="772345" cy="772345"/>
+          </a:xfrm>
+          <a:prstGeom prst="rect">
+            <a:avLst/>
+          </a:prstGeom>
+          <a:noFill/>
+          <a:ln>
+            <a:noFill/>
+          </a:ln>
+          <a:extLst>
+            <a:ext uri="{909E8E84-426E-40DD-AFC4-6F175D3DCCD1}">
+              <a14:hiddenFill xmlns:a14="http://schemas.microsoft.com/office/drawing/2010/main">
+                <a:solidFill>
+                  <a:srgbClr val="FFFFFF"/>
+                </a:solidFill>
+              </a14:hiddenFill>
+            </a:ext>
+            <a:ext uri="{91240B29-F687-4F45-9708-019B960494DF}">
+              <a14:hiddenLine xmlns:a14="http://schemas.microsoft.com/office/drawing/2010/main" w="9525">
+                <a:solidFill>
+                  <a:srgbClr val="000000"/>
+                </a:solidFill>
+                <a:miter lim="800000"/>
+                <a:headEnd/>
+                <a:tailEnd/>
+              </a14:hiddenLine>
+            </a:ext>
+          </a:extLst>
+        </p:spPr>
+      </p:pic>
+      <p:sp>
+        <p:nvSpPr>
+          <p:cNvPr id="3" name="TextBox 11">
+            <a:extLst>
+              <a:ext uri="{FF2B5EF4-FFF2-40B4-BE49-F238E27FC236}">
+                <a16:creationId xmlns:a16="http://schemas.microsoft.com/office/drawing/2014/main" id="{1391A128-E37B-C4B4-4556-FF96CA585249}"/>
+              </a:ext>
+            </a:extLst>
+          </p:cNvPr>
+          <p:cNvSpPr txBox="1">
+            <a:spLocks noChangeArrowheads="1"/>
+          </p:cNvSpPr>
+          <p:nvPr/>
+        </p:nvSpPr>
+        <p:spPr bwMode="auto">
+          <a:xfrm>
+            <a:off x="5505850" y="4321487"/>
+            <a:ext cx="1480416" cy="246221"/>
+          </a:xfrm>
+          <a:prstGeom prst="rect">
+            <a:avLst/>
+          </a:prstGeom>
+          <a:noFill/>
+          <a:ln>
+            <a:noFill/>
+          </a:ln>
+          <a:extLst>
+            <a:ext uri="{909E8E84-426E-40DD-AFC4-6F175D3DCCD1}">
+              <a14:hiddenFill xmlns:a14="http://schemas.microsoft.com/office/drawing/2010/main">
+                <a:solidFill>
+                  <a:srgbClr val="FFFFFF"/>
+                </a:solidFill>
+              </a14:hiddenFill>
+            </a:ext>
+            <a:ext uri="{91240B29-F687-4F45-9708-019B960494DF}">
+              <a14:hiddenLine xmlns:a14="http://schemas.microsoft.com/office/drawing/2010/main" w="9525">
+                <a:solidFill>
+                  <a:srgbClr val="000000"/>
+                </a:solidFill>
+                <a:miter lim="800000"/>
+                <a:headEnd/>
+                <a:tailEnd/>
+              </a14:hiddenLine>
+            </a:ext>
+          </a:extLst>
+        </p:spPr>
+        <p:txBody>
+          <a:bodyPr wrap="square">
+            <a:spAutoFit/>
+          </a:bodyPr>
+          <a:lstStyle>
+            <a:lvl1pPr>
+              <a:defRPr>
+                <a:solidFill>
+                  <a:schemeClr val="tx1"/>
+                </a:solidFill>
+                <a:latin typeface="Calibri" panose="020F0502020204030204" pitchFamily="34" charset="0"/>
+              </a:defRPr>
+            </a:lvl1pPr>
+            <a:lvl2pPr marL="742950" indent="-285750">
+              <a:defRPr>
+                <a:solidFill>
+                  <a:schemeClr val="tx1"/>
+                </a:solidFill>
+                <a:latin typeface="Calibri" panose="020F0502020204030204" pitchFamily="34" charset="0"/>
+              </a:defRPr>
+            </a:lvl2pPr>
+            <a:lvl3pPr marL="1143000" indent="-228600">
+              <a:defRPr>
+                <a:solidFill>
+                  <a:schemeClr val="tx1"/>
+                </a:solidFill>
+                <a:latin typeface="Calibri" panose="020F0502020204030204" pitchFamily="34" charset="0"/>
+              </a:defRPr>
+            </a:lvl3pPr>
+            <a:lvl4pPr marL="1600200" indent="-228600">
+              <a:defRPr>
+                <a:solidFill>
+                  <a:schemeClr val="tx1"/>
+                </a:solidFill>
+                <a:latin typeface="Calibri" panose="020F0502020204030204" pitchFamily="34" charset="0"/>
+              </a:defRPr>
+            </a:lvl4pPr>
+            <a:lvl5pPr marL="2057400" indent="-228600">
+              <a:defRPr>
+                <a:solidFill>
+                  <a:schemeClr val="tx1"/>
+                </a:solidFill>
+                <a:latin typeface="Calibri" panose="020F0502020204030204" pitchFamily="34" charset="0"/>
+              </a:defRPr>
+            </a:lvl5pPr>
+            <a:lvl6pPr marL="2514600" indent="-228600" eaLnBrk="0" fontAlgn="base" hangingPunct="0">
+              <a:spcBef>
+                <a:spcPct val="0"/>
+              </a:spcBef>
+              <a:spcAft>
+                <a:spcPct val="0"/>
+              </a:spcAft>
+              <a:defRPr>
+                <a:solidFill>
+                  <a:schemeClr val="tx1"/>
+                </a:solidFill>
+                <a:latin typeface="Calibri" panose="020F0502020204030204" pitchFamily="34" charset="0"/>
+              </a:defRPr>
+            </a:lvl6pPr>
+            <a:lvl7pPr marL="2971800" indent="-228600" eaLnBrk="0" fontAlgn="base" hangingPunct="0">
+              <a:spcBef>
+                <a:spcPct val="0"/>
+              </a:spcBef>
+              <a:spcAft>
+                <a:spcPct val="0"/>
+              </a:spcAft>
+              <a:defRPr>
+                <a:solidFill>
+                  <a:schemeClr val="tx1"/>
+                </a:solidFill>
+                <a:latin typeface="Calibri" panose="020F0502020204030204" pitchFamily="34" charset="0"/>
+              </a:defRPr>
+            </a:lvl7pPr>
+            <a:lvl8pPr marL="3429000" indent="-228600" eaLnBrk="0" fontAlgn="base" hangingPunct="0">
+              <a:spcBef>
+                <a:spcPct val="0"/>
+              </a:spcBef>
+              <a:spcAft>
+                <a:spcPct val="0"/>
+              </a:spcAft>
+              <a:defRPr>
+                <a:solidFill>
+                  <a:schemeClr val="tx1"/>
+                </a:solidFill>
+                <a:latin typeface="Calibri" panose="020F0502020204030204" pitchFamily="34" charset="0"/>
+              </a:defRPr>
+            </a:lvl8pPr>
+            <a:lvl9pPr marL="3886200" indent="-228600" eaLnBrk="0" fontAlgn="base" hangingPunct="0">
+              <a:spcBef>
+                <a:spcPct val="0"/>
+              </a:spcBef>
+              <a:spcAft>
+                <a:spcPct val="0"/>
+              </a:spcAft>
+              <a:defRPr>
+                <a:solidFill>
+                  <a:schemeClr val="tx1"/>
+                </a:solidFill>
+                <a:latin typeface="Calibri" panose="020F0502020204030204" pitchFamily="34" charset="0"/>
+              </a:defRPr>
+            </a:lvl9pPr>
+          </a:lstStyle>
+          <a:p>
+            <a:pPr algn="ctr" eaLnBrk="1" hangingPunct="1"/>
+            <a:r>
+              <a:rPr lang="en-US" altLang="en-US" sz="1000" dirty="0">
+                <a:latin typeface="Arial" panose="020B0604020202020204" pitchFamily="34" charset="0"/>
+                <a:ea typeface="Amazon Ember" panose="020B0603020204020204" pitchFamily="34" charset="0"/>
+                <a:cs typeface="Arial" panose="020B0604020202020204" pitchFamily="34" charset="0"/>
+              </a:rPr>
+              <a:t>Amazon </a:t>
+            </a:r>
+            <a:r>
+              <a:rPr lang="en-US" altLang="en-US" sz="1000" dirty="0" err="1">
+                <a:latin typeface="Arial" panose="020B0604020202020204" pitchFamily="34" charset="0"/>
+                <a:ea typeface="Amazon Ember" panose="020B0603020204020204" pitchFamily="34" charset="0"/>
+                <a:cs typeface="Arial" panose="020B0604020202020204" pitchFamily="34" charset="0"/>
+              </a:rPr>
+              <a:t>EventBridge</a:t>
+            </a:r>
+            <a:endParaRPr lang="en-US" altLang="en-US" sz="1000" dirty="0">
+              <a:latin typeface="Arial" panose="020B0604020202020204" pitchFamily="34" charset="0"/>
+              <a:ea typeface="Amazon Ember" panose="020B0603020204020204" pitchFamily="34" charset="0"/>
+              <a:cs typeface="Arial" panose="020B0604020202020204" pitchFamily="34" charset="0"/>
+            </a:endParaRPr>
+          </a:p>
+        </p:txBody>
+      </p:sp>
+      <p:cxnSp>
+        <p:nvCxnSpPr>
+          <p:cNvPr id="19" name="Straight Arrow Connector 18">
+            <a:extLst>
+              <a:ext uri="{FF2B5EF4-FFF2-40B4-BE49-F238E27FC236}">
+                <a16:creationId xmlns:a16="http://schemas.microsoft.com/office/drawing/2014/main" id="{077AA9A7-EF45-4383-9CE5-43CB2375C434}"/>
+              </a:ext>
+            </a:extLst>
+          </p:cNvPr>
+          <p:cNvCxnSpPr>
+            <a:cxnSpLocks/>
+          </p:cNvCxnSpPr>
+          <p:nvPr/>
+        </p:nvCxnSpPr>
+        <p:spPr>
+          <a:xfrm>
+            <a:off x="6783475" y="3931503"/>
+            <a:ext cx="405581" cy="0"/>
           </a:xfrm>
           <a:prstGeom prst="straightConnector1">
             <a:avLst/>
@@ -10681,7 +10982,7 @@
                                           </p:stCondLst>
                                         </p:cTn>
                                         <p:tgtEl>
-                                          <p:spTgt spid="69"/>
+                                          <p:spTgt spid="2"/>
                                         </p:tgtEl>
                                         <p:attrNameLst>
                                           <p:attrName>style.visibility</p:attrName>
@@ -10695,6 +10996,129 @@
                                       <p:cBhvr>
                                         <p:cTn id="65" dur="500"/>
                                         <p:tgtEl>
+                                          <p:spTgt spid="2"/>
+                                        </p:tgtEl>
+                                      </p:cBhvr>
+                                    </p:animEffect>
+                                  </p:childTnLst>
+                                </p:cTn>
+                              </p:par>
+                              <p:par>
+                                <p:cTn id="66" presetID="10" presetClass="entr" presetSubtype="0" fill="hold" grpId="0" nodeType="withEffect">
+                                  <p:stCondLst>
+                                    <p:cond delay="0"/>
+                                  </p:stCondLst>
+                                  <p:childTnLst>
+                                    <p:set>
+                                      <p:cBhvr>
+                                        <p:cTn id="67" dur="1" fill="hold">
+                                          <p:stCondLst>
+                                            <p:cond delay="0"/>
+                                          </p:stCondLst>
+                                        </p:cTn>
+                                        <p:tgtEl>
+                                          <p:spTgt spid="3"/>
+                                        </p:tgtEl>
+                                        <p:attrNameLst>
+                                          <p:attrName>style.visibility</p:attrName>
+                                        </p:attrNameLst>
+                                      </p:cBhvr>
+                                      <p:to>
+                                        <p:strVal val="visible"/>
+                                      </p:to>
+                                    </p:set>
+                                    <p:animEffect transition="in" filter="fade">
+                                      <p:cBhvr>
+                                        <p:cTn id="68" dur="500"/>
+                                        <p:tgtEl>
+                                          <p:spTgt spid="3"/>
+                                        </p:tgtEl>
+                                      </p:cBhvr>
+                                    </p:animEffect>
+                                  </p:childTnLst>
+                                </p:cTn>
+                              </p:par>
+                            </p:childTnLst>
+                          </p:cTn>
+                        </p:par>
+                        <p:par>
+                          <p:cTn id="69" fill="hold">
+                            <p:stCondLst>
+                              <p:cond delay="1000"/>
+                            </p:stCondLst>
+                            <p:childTnLst>
+                              <p:par>
+                                <p:cTn id="70" presetID="10" presetClass="entr" presetSubtype="0" fill="hold" nodeType="afterEffect">
+                                  <p:stCondLst>
+                                    <p:cond delay="0"/>
+                                  </p:stCondLst>
+                                  <p:childTnLst>
+                                    <p:set>
+                                      <p:cBhvr>
+                                        <p:cTn id="71" dur="1" fill="hold">
+                                          <p:stCondLst>
+                                            <p:cond delay="0"/>
+                                          </p:stCondLst>
+                                        </p:cTn>
+                                        <p:tgtEl>
+                                          <p:spTgt spid="19"/>
+                                        </p:tgtEl>
+                                        <p:attrNameLst>
+                                          <p:attrName>style.visibility</p:attrName>
+                                        </p:attrNameLst>
+                                      </p:cBhvr>
+                                      <p:to>
+                                        <p:strVal val="visible"/>
+                                      </p:to>
+                                    </p:set>
+                                    <p:animEffect transition="in" filter="fade">
+                                      <p:cBhvr>
+                                        <p:cTn id="72" dur="500"/>
+                                        <p:tgtEl>
+                                          <p:spTgt spid="19"/>
+                                        </p:tgtEl>
+                                      </p:cBhvr>
+                                    </p:animEffect>
+                                  </p:childTnLst>
+                                </p:cTn>
+                              </p:par>
+                            </p:childTnLst>
+                          </p:cTn>
+                        </p:par>
+                        <p:par>
+                          <p:cTn id="73" fill="hold">
+                            <p:stCondLst>
+                              <p:cond delay="1500"/>
+                            </p:stCondLst>
+                            <p:childTnLst>
+                              <p:par>
+                                <p:cTn id="74" presetID="10" presetClass="entr" presetSubtype="0" fill="hold" nodeType="afterEffect">
+                                  <p:stCondLst>
+                                    <p:cond delay="0"/>
+                                  </p:stCondLst>
+                                  <p:childTnLst>
+                                    <p:set>
+                                      <p:cBhvr>
+                                        <p:cTn id="75" dur="1" fill="hold">
+                                          <p:stCondLst>
+                                            <p:cond delay="0"/>
+                                          </p:stCondLst>
+                                        </p:cTn>
+                                        <p:tgtEl>
+                                          <p:spTgt spid="69"/>
+                                        </p:tgtEl>
+                                        <p:attrNameLst>
+                                          <p:attrName>style.visibility</p:attrName>
+                                        </p:attrNameLst>
+                                      </p:cBhvr>
+                                      <p:to>
+                                        <p:strVal val="visible"/>
+                                      </p:to>
+                                    </p:set>
+                                    <p:animEffect transition="in" filter="fade">
+                                      <p:cBhvr>
+                                        <p:cTn id="76" dur="500"/>
+                                        <p:tgtEl>
                                           <p:spTgt spid="69"/>
                                         </p:tgtEl>
                                       </p:cBhvr>
@@ -10706,20 +11130,20 @@
                           </p:cTn>
                         </p:par>
                         <p:par>
-                          <p:cTn id="66" fill="hold">
+                          <p:cTn id="77" fill="hold">
                             <p:stCondLst>
-                              <p:cond delay="1000"/>
+                              <p:cond delay="2000"/>
                             </p:stCondLst>
                             <p:childTnLst>
                               <p:par>
-                                <p:cTn id="67" presetID="10" presetClass="entr" presetSubtype="0" fill="hold" nodeType="afterEffect">
+                                <p:cTn id="78" presetID="10" presetClass="entr" presetSubtype="0" fill="hold" nodeType="afterEffect">
                                   <p:stCondLst>
                                     <p:cond delay="0"/>
                                   </p:stCondLst>
                                   <p:childTnLst>
                                     <p:set>
                                       <p:cBhvr>
-                                        <p:cTn id="68" dur="1" fill="hold">
+                                        <p:cTn id="79" dur="1" fill="hold">
                                           <p:stCondLst>
                                             <p:cond delay="0"/>
                                           </p:stCondLst>
@@ -10737,7 +11161,7 @@
                                     </p:set>
                                     <p:animEffect transition="in" filter="fade">
                                       <p:cBhvr>
-                                        <p:cTn id="69" dur="500"/>
+                                        <p:cTn id="80" dur="500"/>
                                         <p:tgtEl>
                                           <p:spTgt spid="27"/>
                                         </p:tgtEl>
@@ -10775,6 +11199,7 @@
     </p:tnLst>
     <p:bldLst>
       <p:bldP spid="60" grpId="0" animBg="1"/>
+      <p:bldP spid="3" grpId="0"/>
     </p:bldLst>
   </p:timing>
 </p:sld>
